--- a/ROAD TRAFFIC SIMULATION.pptx
+++ b/ROAD TRAFFIC SIMULATION.pptx
@@ -7,17 +7,19 @@
   <p:sldIdLst>
     <p:sldId id="256" r:id="rId2"/>
     <p:sldId id="257" r:id="rId3"/>
-    <p:sldId id="260" r:id="rId4"/>
-    <p:sldId id="261" r:id="rId5"/>
-    <p:sldId id="268" r:id="rId6"/>
-    <p:sldId id="258" r:id="rId7"/>
-    <p:sldId id="262" r:id="rId8"/>
-    <p:sldId id="264" r:id="rId9"/>
-    <p:sldId id="265" r:id="rId10"/>
-    <p:sldId id="266" r:id="rId11"/>
-    <p:sldId id="267" r:id="rId12"/>
-    <p:sldId id="263" r:id="rId13"/>
-    <p:sldId id="259" r:id="rId14"/>
+    <p:sldId id="269" r:id="rId4"/>
+    <p:sldId id="260" r:id="rId5"/>
+    <p:sldId id="261" r:id="rId6"/>
+    <p:sldId id="268" r:id="rId7"/>
+    <p:sldId id="258" r:id="rId8"/>
+    <p:sldId id="262" r:id="rId9"/>
+    <p:sldId id="264" r:id="rId10"/>
+    <p:sldId id="265" r:id="rId11"/>
+    <p:sldId id="266" r:id="rId12"/>
+    <p:sldId id="267" r:id="rId13"/>
+    <p:sldId id="263" r:id="rId14"/>
+    <p:sldId id="270" r:id="rId15"/>
+    <p:sldId id="259" r:id="rId16"/>
   </p:sldIdLst>
   <p:sldSz cx="12192000" cy="6858000"/>
   <p:notesSz cx="6858000" cy="9144000"/>
@@ -116,6 +118,11 @@
       </a:defRPr>
     </a:lvl9pPr>
   </p:defaultTextStyle>
+  <p:extLst>
+    <p:ext uri="{EFAFB233-063F-42B5-8137-9DF3F51BA10A}">
+      <p15:sldGuideLst xmlns:p15="http://schemas.microsoft.com/office/powerpoint/2012/main"/>
+    </p:ext>
+  </p:extLst>
 </p:presentation>
 </file>
 
@@ -7685,108 +7692,6 @@
       </p:grpSpPr>
       <p:sp>
         <p:nvSpPr>
-          <p:cNvPr id="2" name="Titre 1">
-            <a:extLst>
-              <a:ext uri="{FF2B5EF4-FFF2-40B4-BE49-F238E27FC236}">
-                <a16:creationId xmlns:a16="http://schemas.microsoft.com/office/drawing/2014/main" id="{AE715B8F-DEC4-4A77-AE02-FD731CE4C573}"/>
-              </a:ext>
-            </a:extLst>
-          </p:cNvPr>
-          <p:cNvSpPr>
-            <a:spLocks noGrp="1"/>
-          </p:cNvSpPr>
-          <p:nvPr>
-            <p:ph type="ctrTitle"/>
-          </p:nvPr>
-        </p:nvSpPr>
-        <p:spPr>
-          <a:xfrm>
-            <a:off x="1524000" y="0"/>
-            <a:ext cx="9144000" cy="6858000"/>
-          </a:xfrm>
-        </p:spPr>
-        <p:txBody>
-          <a:bodyPr>
-            <a:normAutofit/>
-          </a:bodyPr>
-          <a:lstStyle/>
-          <a:p>
-            <a:pPr algn="ctr"/>
-            <a:r>
-              <a:rPr lang="fr-FR" b="1" u="sng" dirty="0">
-                <a:solidFill>
-                  <a:srgbClr val="FF0000"/>
-                </a:solidFill>
-              </a:rPr>
-              <a:t>ARE DYNAMIC</a:t>
-            </a:r>
-            <a:br>
-              <a:rPr lang="fr-FR" b="1" u="sng" dirty="0">
-                <a:solidFill>
-                  <a:srgbClr val="FF0000"/>
-                </a:solidFill>
-              </a:rPr>
-            </a:br>
-            <a:br>
-              <a:rPr lang="fr-FR" b="1" u="sng" dirty="0">
-                <a:solidFill>
-                  <a:srgbClr val="FF0000"/>
-                </a:solidFill>
-              </a:rPr>
-            </a:br>
-            <a:r>
-              <a:rPr lang="fr-FR" b="1" u="sng" dirty="0">
-                <a:solidFill>
-                  <a:srgbClr val="FF0000"/>
-                </a:solidFill>
-              </a:rPr>
-              <a:t>ROAD TRAFFIC SIMULATION</a:t>
-            </a:r>
-            <a:br>
-              <a:rPr lang="fr-FR" b="1" u="sng" dirty="0">
-                <a:solidFill>
-                  <a:srgbClr val="FF0000"/>
-                </a:solidFill>
-              </a:rPr>
-            </a:br>
-            <a:br>
-              <a:rPr lang="fr-FR" b="1" u="sng" dirty="0">
-                <a:solidFill>
-                  <a:srgbClr val="FF0000"/>
-                </a:solidFill>
-              </a:rPr>
-            </a:br>
-            <a:br>
-              <a:rPr lang="fr-FR" b="1" u="sng" dirty="0">
-                <a:solidFill>
-                  <a:srgbClr val="FF0000"/>
-                </a:solidFill>
-              </a:rPr>
-            </a:br>
-            <a:br>
-              <a:rPr lang="fr-FR" b="1" u="sng" dirty="0">
-                <a:solidFill>
-                  <a:srgbClr val="FF0000"/>
-                </a:solidFill>
-              </a:rPr>
-            </a:br>
-            <a:br>
-              <a:rPr lang="fr-FR" b="1" u="sng" dirty="0">
-                <a:solidFill>
-                  <a:srgbClr val="FF0000"/>
-                </a:solidFill>
-              </a:rPr>
-            </a:br>
-            <a:endParaRPr lang="fr-FR" b="1" u="sng" dirty="0">
-              <a:solidFill>
-                <a:srgbClr val="FF0000"/>
-              </a:solidFill>
-            </a:endParaRPr>
-          </a:p>
-        </p:txBody>
-      </p:sp>
-      <p:sp>
-        <p:nvSpPr>
           <p:cNvPr id="4" name="ZoneTexte 3">
             <a:extLst>
               <a:ext uri="{FF2B5EF4-FFF2-40B4-BE49-F238E27FC236}">
@@ -7799,7 +7704,7 @@
         </p:nvSpPr>
         <p:spPr>
           <a:xfrm>
-            <a:off x="1871927" y="5844208"/>
+            <a:off x="2010586" y="5844208"/>
             <a:ext cx="8448147" cy="461665"/>
           </a:xfrm>
           <a:prstGeom prst="rect">
@@ -7860,14 +7765,77 @@
         </p:blipFill>
         <p:spPr>
           <a:xfrm>
-            <a:off x="3339548" y="2919340"/>
-            <a:ext cx="5512904" cy="2372741"/>
+            <a:off x="3267858" y="2818550"/>
+            <a:ext cx="5933601" cy="2553808"/>
           </a:xfrm>
           <a:prstGeom prst="rect">
             <a:avLst/>
           </a:prstGeom>
         </p:spPr>
       </p:pic>
+      <p:sp>
+        <p:nvSpPr>
+          <p:cNvPr id="7" name="ZoneTexte 6">
+            <a:extLst>
+              <a:ext uri="{FF2B5EF4-FFF2-40B4-BE49-F238E27FC236}">
+                <a16:creationId xmlns:a16="http://schemas.microsoft.com/office/drawing/2014/main" id="{7025197E-0E93-5642-E5DE-ED52CF725AA1}"/>
+              </a:ext>
+            </a:extLst>
+          </p:cNvPr>
+          <p:cNvSpPr txBox="1"/>
+          <p:nvPr/>
+        </p:nvSpPr>
+        <p:spPr>
+          <a:xfrm>
+            <a:off x="2010586" y="334953"/>
+            <a:ext cx="8170827" cy="2308324"/>
+          </a:xfrm>
+          <a:prstGeom prst="rect">
+            <a:avLst/>
+          </a:prstGeom>
+          <a:noFill/>
+        </p:spPr>
+        <p:txBody>
+          <a:bodyPr wrap="none" rtlCol="0">
+            <a:spAutoFit/>
+          </a:bodyPr>
+          <a:lstStyle/>
+          <a:p>
+            <a:pPr algn="ctr"/>
+            <a:r>
+              <a:rPr lang="fr-FR" sz="4800" b="1" u="sng" dirty="0">
+                <a:solidFill>
+                  <a:srgbClr val="FF0000"/>
+                </a:solidFill>
+              </a:rPr>
+              <a:t>ARE DYNAMIC</a:t>
+            </a:r>
+            <a:br>
+              <a:rPr lang="fr-FR" sz="4800" b="1" u="sng" dirty="0">
+                <a:solidFill>
+                  <a:srgbClr val="FF0000"/>
+                </a:solidFill>
+              </a:rPr>
+            </a:br>
+            <a:br>
+              <a:rPr lang="fr-FR" sz="4800" b="1" u="sng" dirty="0">
+                <a:solidFill>
+                  <a:srgbClr val="FF0000"/>
+                </a:solidFill>
+              </a:rPr>
+            </a:br>
+            <a:r>
+              <a:rPr lang="fr-FR" sz="4800" b="1" u="sng" dirty="0">
+                <a:solidFill>
+                  <a:srgbClr val="FF0000"/>
+                </a:solidFill>
+              </a:rPr>
+              <a:t>ROAD TRAFFIC SIMULATION</a:t>
+            </a:r>
+            <a:endParaRPr lang="fr-FR" sz="4800" dirty="0"/>
+          </a:p>
+        </p:txBody>
+      </p:sp>
     </p:spTree>
     <p:extLst>
       <p:ext uri="{BB962C8B-B14F-4D97-AF65-F5344CB8AC3E}">
@@ -7878,10 +7846,189 @@
   <p:clrMapOvr>
     <a:masterClrMapping/>
   </p:clrMapOvr>
+  <p:transition spd="slow">
+    <p:wipe/>
+  </p:transition>
 </p:sld>
 </file>
 
 <file path=ppt/slides/slide10.xml><?xml version="1.0" encoding="utf-8"?>
+<p:sld xmlns:a="http://schemas.openxmlformats.org/drawingml/2006/main" xmlns:r="http://schemas.openxmlformats.org/officeDocument/2006/relationships" xmlns:p="http://schemas.openxmlformats.org/presentationml/2006/main">
+  <p:cSld>
+    <p:spTree>
+      <p:nvGrpSpPr>
+        <p:cNvPr id="1" name=""/>
+        <p:cNvGrpSpPr/>
+        <p:nvPr/>
+      </p:nvGrpSpPr>
+      <p:grpSpPr>
+        <a:xfrm>
+          <a:off x="0" y="0"/>
+          <a:ext cx="0" cy="0"/>
+          <a:chOff x="0" y="0"/>
+          <a:chExt cx="0" cy="0"/>
+        </a:xfrm>
+      </p:grpSpPr>
+      <p:sp>
+        <p:nvSpPr>
+          <p:cNvPr id="2" name="Titre 1">
+            <a:extLst>
+              <a:ext uri="{FF2B5EF4-FFF2-40B4-BE49-F238E27FC236}">
+                <a16:creationId xmlns:a16="http://schemas.microsoft.com/office/drawing/2014/main" id="{01555954-461D-620A-4AD3-B287E50C8298}"/>
+              </a:ext>
+            </a:extLst>
+          </p:cNvPr>
+          <p:cNvSpPr>
+            <a:spLocks noGrp="1"/>
+          </p:cNvSpPr>
+          <p:nvPr>
+            <p:ph type="title"/>
+          </p:nvPr>
+        </p:nvSpPr>
+        <p:spPr>
+          <a:xfrm>
+            <a:off x="2208612" y="531345"/>
+            <a:ext cx="8911687" cy="1280890"/>
+          </a:xfrm>
+        </p:spPr>
+        <p:txBody>
+          <a:bodyPr>
+            <a:normAutofit/>
+          </a:bodyPr>
+          <a:lstStyle/>
+          <a:p>
+            <a:r>
+              <a:rPr lang="fr-FR" sz="4000" u="sng" dirty="0">
+                <a:solidFill>
+                  <a:srgbClr val="FF0000"/>
+                </a:solidFill>
+              </a:rPr>
+              <a:t>Expérimentations réalisées</a:t>
+            </a:r>
+          </a:p>
+        </p:txBody>
+      </p:sp>
+      <p:sp>
+        <p:nvSpPr>
+          <p:cNvPr id="3" name="Espace réservé du contenu 2">
+            <a:extLst>
+              <a:ext uri="{FF2B5EF4-FFF2-40B4-BE49-F238E27FC236}">
+                <a16:creationId xmlns:a16="http://schemas.microsoft.com/office/drawing/2014/main" id="{D3EA7887-6DCB-4ECB-4B9B-B5C967D1E0E0}"/>
+              </a:ext>
+            </a:extLst>
+          </p:cNvPr>
+          <p:cNvSpPr>
+            <a:spLocks noGrp="1"/>
+          </p:cNvSpPr>
+          <p:nvPr>
+            <p:ph idx="1"/>
+          </p:nvPr>
+        </p:nvSpPr>
+        <p:spPr>
+          <a:xfrm>
+            <a:off x="2208612" y="1404731"/>
+            <a:ext cx="8915400" cy="3777622"/>
+          </a:xfrm>
+        </p:spPr>
+        <p:txBody>
+          <a:bodyPr>
+            <a:normAutofit/>
+          </a:bodyPr>
+          <a:lstStyle/>
+          <a:p>
+            <a:r>
+              <a:rPr lang="fr-FR" sz="2400" dirty="0">
+                <a:solidFill>
+                  <a:schemeClr val="tx1"/>
+                </a:solidFill>
+                <a:latin typeface="Times New Roman" panose="02020603050405020304" pitchFamily="18" charset="0"/>
+                <a:cs typeface="Times New Roman" panose="02020603050405020304" pitchFamily="18" charset="0"/>
+              </a:rPr>
+              <a:t>2- Dans notre deuxième ville, modèle simplifié de Paris, traversée par 36 voitures </a:t>
+            </a:r>
+          </a:p>
+          <a:p>
+            <a:pPr marL="0" indent="0">
+              <a:buNone/>
+            </a:pPr>
+            <a:r>
+              <a:rPr lang="fr-FR" sz="2400" dirty="0">
+                <a:solidFill>
+                  <a:schemeClr val="tx1"/>
+                </a:solidFill>
+                <a:latin typeface="Times New Roman" panose="02020603050405020304" pitchFamily="18" charset="0"/>
+                <a:cs typeface="Times New Roman" panose="02020603050405020304" pitchFamily="18" charset="0"/>
+              </a:rPr>
+              <a:t>(50% thermique, 50% électrique) :</a:t>
+            </a:r>
+          </a:p>
+          <a:p>
+            <a:endParaRPr lang="fr-FR" sz="2400" dirty="0">
+              <a:solidFill>
+                <a:schemeClr val="tx1"/>
+              </a:solidFill>
+              <a:latin typeface="Times New Roman" panose="02020603050405020304" pitchFamily="18" charset="0"/>
+              <a:cs typeface="Times New Roman" panose="02020603050405020304" pitchFamily="18" charset="0"/>
+            </a:endParaRPr>
+          </a:p>
+        </p:txBody>
+      </p:sp>
+      <p:pic>
+        <p:nvPicPr>
+          <p:cNvPr id="5" name="Image 4">
+            <a:extLst>
+              <a:ext uri="{FF2B5EF4-FFF2-40B4-BE49-F238E27FC236}">
+                <a16:creationId xmlns:a16="http://schemas.microsoft.com/office/drawing/2014/main" id="{DDADD9B0-AA4B-8F29-1AAF-21BB7A851E8A}"/>
+              </a:ext>
+            </a:extLst>
+          </p:cNvPr>
+          <p:cNvPicPr>
+            <a:picLocks noChangeAspect="1"/>
+          </p:cNvPicPr>
+          <p:nvPr/>
+        </p:nvPicPr>
+        <p:blipFill>
+          <a:blip r:embed="rId2"/>
+          <a:stretch>
+            <a:fillRect/>
+          </a:stretch>
+        </p:blipFill>
+        <p:spPr>
+          <a:xfrm>
+            <a:off x="2073315" y="3116240"/>
+            <a:ext cx="8521420" cy="2939499"/>
+          </a:xfrm>
+          <a:prstGeom prst="rect">
+            <a:avLst/>
+          </a:prstGeom>
+        </p:spPr>
+      </p:pic>
+    </p:spTree>
+    <p:extLst>
+      <p:ext uri="{BB962C8B-B14F-4D97-AF65-F5344CB8AC3E}">
+        <p14:creationId xmlns:p14="http://schemas.microsoft.com/office/powerpoint/2010/main" val="258283613"/>
+      </p:ext>
+    </p:extLst>
+  </p:cSld>
+  <p:clrMapOvr>
+    <a:masterClrMapping/>
+  </p:clrMapOvr>
+  <mc:AlternateContent xmlns:mc="http://schemas.openxmlformats.org/markup-compatibility/2006">
+    <mc:Choice xmlns:p14="http://schemas.microsoft.com/office/powerpoint/2010/main" Requires="p14">
+      <p:transition spd="slow" p14:dur="1600">
+        <p14:prism isContent="1" isInverted="1"/>
+      </p:transition>
+    </mc:Choice>
+    <mc:Fallback>
+      <p:transition spd="slow">
+        <p:fade/>
+      </p:transition>
+    </mc:Fallback>
+  </mc:AlternateContent>
+</p:sld>
+</file>
+
+<file path=ppt/slides/slide11.xml><?xml version="1.0" encoding="utf-8"?>
 <p:sld xmlns:a="http://schemas.openxmlformats.org/drawingml/2006/main" xmlns:r="http://schemas.openxmlformats.org/officeDocument/2006/relationships" xmlns:p="http://schemas.openxmlformats.org/presentationml/2006/main">
   <p:cSld>
     <p:spTree>
@@ -8268,10 +8415,13 @@
   <p:clrMapOvr>
     <a:masterClrMapping/>
   </p:clrMapOvr>
+  <p:transition spd="med">
+    <p:pull/>
+  </p:transition>
 </p:sld>
 </file>
 
-<file path=ppt/slides/slide11.xml><?xml version="1.0" encoding="utf-8"?>
+<file path=ppt/slides/slide12.xml><?xml version="1.0" encoding="utf-8"?>
 <p:sld xmlns:a="http://schemas.openxmlformats.org/drawingml/2006/main" xmlns:r="http://schemas.openxmlformats.org/officeDocument/2006/relationships" xmlns:p="http://schemas.openxmlformats.org/presentationml/2006/main">
   <p:cSld>
     <p:spTree>
@@ -8608,10 +8758,22 @@
   <p:clrMapOvr>
     <a:masterClrMapping/>
   </p:clrMapOvr>
+  <mc:AlternateContent xmlns:mc="http://schemas.openxmlformats.org/markup-compatibility/2006">
+    <mc:Choice xmlns:p15="http://schemas.microsoft.com/office/powerpoint/2012/main" Requires="p15">
+      <p:transition xmlns:p14="http://schemas.microsoft.com/office/powerpoint/2010/main" spd="slow" p14:dur="1250">
+        <p15:prstTrans prst="peelOff"/>
+      </p:transition>
+    </mc:Choice>
+    <mc:Fallback>
+      <p:transition spd="slow">
+        <p:fade/>
+      </p:transition>
+    </mc:Fallback>
+  </mc:AlternateContent>
 </p:sld>
 </file>
 
-<file path=ppt/slides/slide12.xml><?xml version="1.0" encoding="utf-8"?>
+<file path=ppt/slides/slide13.xml><?xml version="1.0" encoding="utf-8"?>
 <p:sld xmlns:a="http://schemas.openxmlformats.org/drawingml/2006/main" xmlns:r="http://schemas.openxmlformats.org/officeDocument/2006/relationships" xmlns:p="http://schemas.openxmlformats.org/presentationml/2006/main">
   <p:cSld>
     <p:spTree>
@@ -8644,12 +8806,36 @@
             <p:ph type="title"/>
           </p:nvPr>
         </p:nvSpPr>
-        <p:spPr/>
+        <p:spPr>
+          <a:xfrm>
+            <a:off x="1956821" y="478336"/>
+            <a:ext cx="8911687" cy="1280890"/>
+          </a:xfrm>
+        </p:spPr>
         <p:txBody>
           <a:bodyPr/>
           <a:lstStyle/>
           <a:p>
-            <a:endParaRPr lang="fr-FR"/>
+            <a:r>
+              <a:rPr lang="fr-FR" u="sng" dirty="0">
+                <a:solidFill>
+                  <a:srgbClr val="FF0000"/>
+                </a:solidFill>
+              </a:rPr>
+              <a:t>Expérimentations supplémentaires :</a:t>
+            </a:r>
+            <a:br>
+              <a:rPr lang="fr-FR" u="sng" dirty="0">
+                <a:solidFill>
+                  <a:srgbClr val="FF0000"/>
+                </a:solidFill>
+              </a:rPr>
+            </a:br>
+            <a:endParaRPr lang="fr-FR" u="sng" dirty="0">
+              <a:solidFill>
+                <a:srgbClr val="FF0000"/>
+              </a:solidFill>
+            </a:endParaRPr>
           </a:p>
         </p:txBody>
       </p:sp>
@@ -8669,12 +8855,132 @@
             <p:ph idx="1"/>
           </p:nvPr>
         </p:nvSpPr>
-        <p:spPr/>
-        <p:txBody>
-          <a:bodyPr/>
+        <p:spPr>
+          <a:xfrm>
+            <a:off x="1953107" y="1321152"/>
+            <a:ext cx="9099205" cy="5265177"/>
+          </a:xfrm>
+        </p:spPr>
+        <p:txBody>
+          <a:bodyPr>
+            <a:noAutofit/>
+          </a:bodyPr>
           <a:lstStyle/>
           <a:p>
-            <a:endParaRPr lang="fr-FR"/>
+            <a:r>
+              <a:rPr lang="fr-FR" sz="2000" dirty="0">
+                <a:solidFill>
+                  <a:schemeClr val="tx1"/>
+                </a:solidFill>
+                <a:latin typeface="Times New Roman" panose="02020603050405020304" pitchFamily="18" charset="0"/>
+                <a:cs typeface="Times New Roman" panose="02020603050405020304" pitchFamily="18" charset="0"/>
+              </a:rPr>
+              <a:t>On prend une voiture, on regarde si elle possède des voisins (voitures devant elle) :</a:t>
+            </a:r>
+          </a:p>
+          <a:p>
+            <a:pPr>
+              <a:buFontTx/>
+              <a:buChar char="-"/>
+            </a:pPr>
+            <a:r>
+              <a:rPr lang="fr-FR" sz="2000" dirty="0">
+                <a:solidFill>
+                  <a:schemeClr val="tx1"/>
+                </a:solidFill>
+                <a:latin typeface="Times New Roman" panose="02020603050405020304" pitchFamily="18" charset="0"/>
+                <a:cs typeface="Times New Roman" panose="02020603050405020304" pitchFamily="18" charset="0"/>
+              </a:rPr>
+              <a:t>si elle en a pas devant elle alors : elle accélère selon une probabilité pour créer un système de comportement qui diffère des individus </a:t>
+            </a:r>
+          </a:p>
+          <a:p>
+            <a:pPr>
+              <a:buFontTx/>
+              <a:buChar char="-"/>
+            </a:pPr>
+            <a:r>
+              <a:rPr lang="fr-FR" sz="2000" dirty="0">
+                <a:solidFill>
+                  <a:schemeClr val="tx1"/>
+                </a:solidFill>
+                <a:latin typeface="Times New Roman" panose="02020603050405020304" pitchFamily="18" charset="0"/>
+                <a:cs typeface="Times New Roman" panose="02020603050405020304" pitchFamily="18" charset="0"/>
+              </a:rPr>
+              <a:t>sinon si le pourcentage de deux véhicules est inférieur à ‘</a:t>
+            </a:r>
+            <a:r>
+              <a:rPr lang="fr-FR" sz="2000" dirty="0" err="1">
+                <a:solidFill>
+                  <a:schemeClr val="tx1"/>
+                </a:solidFill>
+                <a:latin typeface="Times New Roman" panose="02020603050405020304" pitchFamily="18" charset="0"/>
+                <a:cs typeface="Times New Roman" panose="02020603050405020304" pitchFamily="18" charset="0"/>
+              </a:rPr>
+              <a:t>eps</a:t>
+            </a:r>
+            <a:r>
+              <a:rPr lang="fr-FR" sz="2000" dirty="0">
+                <a:solidFill>
+                  <a:schemeClr val="tx1"/>
+                </a:solidFill>
+                <a:latin typeface="Times New Roman" panose="02020603050405020304" pitchFamily="18" charset="0"/>
+                <a:cs typeface="Times New Roman" panose="02020603050405020304" pitchFamily="18" charset="0"/>
+              </a:rPr>
+              <a:t>’ (mesure pour exprimer la distance de sécurité entre deux voitures) alors la voiture avec le plus faible pourcentage décélère tout en ayant une vitesse plus grande que celle derrière elle (qui ralentira à son tour si nécessaire), </a:t>
+            </a:r>
+          </a:p>
+          <a:p>
+            <a:pPr>
+              <a:buFontTx/>
+              <a:buChar char="-"/>
+            </a:pPr>
+            <a:r>
+              <a:rPr lang="fr-FR" sz="2000" dirty="0">
+                <a:solidFill>
+                  <a:schemeClr val="tx1"/>
+                </a:solidFill>
+                <a:latin typeface="Times New Roman" panose="02020603050405020304" pitchFamily="18" charset="0"/>
+                <a:cs typeface="Times New Roman" panose="02020603050405020304" pitchFamily="18" charset="0"/>
+              </a:rPr>
+              <a:t>si la distance entre deux voitures est plus petite que ‘esp’ alors on considère qu’il y a eu collision entre deux voitures et on obtient un état de bouchon où toutes les voitures de la route sont bloqués </a:t>
+            </a:r>
+            <a:r>
+              <a:rPr lang="fr-FR" sz="2000" dirty="0">
+                <a:solidFill>
+                  <a:schemeClr val="tx1"/>
+                </a:solidFill>
+                <a:latin typeface="Times New Roman" panose="02020603050405020304" pitchFamily="18" charset="0"/>
+                <a:cs typeface="Times New Roman" panose="02020603050405020304" pitchFamily="18" charset="0"/>
+                <a:sym typeface="Wingdings" panose="05000000000000000000" pitchFamily="2" charset="2"/>
+              </a:rPr>
+              <a:t></a:t>
+            </a:r>
+            <a:r>
+              <a:rPr lang="fr-FR" sz="2000" dirty="0">
+                <a:solidFill>
+                  <a:schemeClr val="tx1"/>
+                </a:solidFill>
+                <a:latin typeface="Times New Roman" panose="02020603050405020304" pitchFamily="18" charset="0"/>
+                <a:cs typeface="Times New Roman" panose="02020603050405020304" pitchFamily="18" charset="0"/>
+              </a:rPr>
+              <a:t> Les voitures qui ne sont pas dans le bouchon empruntent, si possible, un autre chemin que celle de la route bouchée. </a:t>
+            </a:r>
+          </a:p>
+          <a:p>
+            <a:pPr marL="0" indent="0">
+              <a:buNone/>
+            </a:pPr>
+            <a:r>
+              <a:rPr lang="fr-FR" sz="2000" dirty="0">
+                <a:solidFill>
+                  <a:schemeClr val="tx1"/>
+                </a:solidFill>
+                <a:latin typeface="Times New Roman" panose="02020603050405020304" pitchFamily="18" charset="0"/>
+                <a:cs typeface="Times New Roman" panose="02020603050405020304" pitchFamily="18" charset="0"/>
+              </a:rPr>
+              <a:t>(+ Prise en compte de l'état du conducteur (normal, bourré, drogué), son âge et son sexe.)</a:t>
+            </a:r>
           </a:p>
         </p:txBody>
       </p:sp>
@@ -8688,10 +8994,144 @@
   <p:clrMapOvr>
     <a:masterClrMapping/>
   </p:clrMapOvr>
+  <mc:AlternateContent xmlns:mc="http://schemas.openxmlformats.org/markup-compatibility/2006">
+    <mc:Choice xmlns:p14="http://schemas.microsoft.com/office/powerpoint/2010/main" Requires="p14">
+      <p:transition spd="slow" p14:dur="1200">
+        <p:dissolve/>
+      </p:transition>
+    </mc:Choice>
+    <mc:Fallback>
+      <p:transition spd="slow">
+        <p:dissolve/>
+      </p:transition>
+    </mc:Fallback>
+  </mc:AlternateContent>
 </p:sld>
 </file>
 
-<file path=ppt/slides/slide13.xml><?xml version="1.0" encoding="utf-8"?>
+<file path=ppt/slides/slide14.xml><?xml version="1.0" encoding="utf-8"?>
+<p:sld xmlns:a="http://schemas.openxmlformats.org/drawingml/2006/main" xmlns:r="http://schemas.openxmlformats.org/officeDocument/2006/relationships" xmlns:p="http://schemas.openxmlformats.org/presentationml/2006/main">
+  <p:cSld>
+    <p:spTree>
+      <p:nvGrpSpPr>
+        <p:cNvPr id="1" name=""/>
+        <p:cNvGrpSpPr/>
+        <p:nvPr/>
+      </p:nvGrpSpPr>
+      <p:grpSpPr>
+        <a:xfrm>
+          <a:off x="0" y="0"/>
+          <a:ext cx="0" cy="0"/>
+          <a:chOff x="0" y="0"/>
+          <a:chExt cx="0" cy="0"/>
+        </a:xfrm>
+      </p:grpSpPr>
+      <p:sp>
+        <p:nvSpPr>
+          <p:cNvPr id="2" name="Titre 1">
+            <a:extLst>
+              <a:ext uri="{FF2B5EF4-FFF2-40B4-BE49-F238E27FC236}">
+                <a16:creationId xmlns:a16="http://schemas.microsoft.com/office/drawing/2014/main" id="{AD903DA8-9B20-7B44-7C2C-7194B18A5AF2}"/>
+              </a:ext>
+            </a:extLst>
+          </p:cNvPr>
+          <p:cNvSpPr>
+            <a:spLocks noGrp="1"/>
+          </p:cNvSpPr>
+          <p:nvPr>
+            <p:ph type="title"/>
+          </p:nvPr>
+        </p:nvSpPr>
+        <p:spPr/>
+        <p:txBody>
+          <a:bodyPr/>
+          <a:lstStyle/>
+          <a:p>
+            <a:endParaRPr lang="fr-FR"/>
+          </a:p>
+        </p:txBody>
+      </p:sp>
+      <p:sp>
+        <p:nvSpPr>
+          <p:cNvPr id="3" name="Espace réservé du contenu 2">
+            <a:extLst>
+              <a:ext uri="{FF2B5EF4-FFF2-40B4-BE49-F238E27FC236}">
+                <a16:creationId xmlns:a16="http://schemas.microsoft.com/office/drawing/2014/main" id="{AC72243D-CF0E-AB67-B9DC-7F8C92C6D3B5}"/>
+              </a:ext>
+            </a:extLst>
+          </p:cNvPr>
+          <p:cNvSpPr>
+            <a:spLocks noGrp="1"/>
+          </p:cNvSpPr>
+          <p:nvPr>
+            <p:ph idx="1"/>
+          </p:nvPr>
+        </p:nvSpPr>
+        <p:spPr/>
+        <p:txBody>
+          <a:bodyPr/>
+          <a:lstStyle/>
+          <a:p>
+            <a:endParaRPr lang="fr-FR"/>
+          </a:p>
+        </p:txBody>
+      </p:sp>
+      <p:pic>
+        <p:nvPicPr>
+          <p:cNvPr id="5" name="Image 4">
+            <a:extLst>
+              <a:ext uri="{FF2B5EF4-FFF2-40B4-BE49-F238E27FC236}">
+                <a16:creationId xmlns:a16="http://schemas.microsoft.com/office/drawing/2014/main" id="{801FFA7E-7FB2-9DDA-B95D-3330325ACB63}"/>
+              </a:ext>
+            </a:extLst>
+          </p:cNvPr>
+          <p:cNvPicPr>
+            <a:picLocks noChangeAspect="1"/>
+          </p:cNvPicPr>
+          <p:nvPr/>
+        </p:nvPicPr>
+        <p:blipFill>
+          <a:blip r:embed="rId2"/>
+          <a:stretch>
+            <a:fillRect/>
+          </a:stretch>
+        </p:blipFill>
+        <p:spPr>
+          <a:xfrm>
+            <a:off x="1941594" y="946778"/>
+            <a:ext cx="9406764" cy="5164846"/>
+          </a:xfrm>
+          <a:prstGeom prst="rect">
+            <a:avLst/>
+          </a:prstGeom>
+        </p:spPr>
+      </p:pic>
+    </p:spTree>
+    <p:extLst>
+      <p:ext uri="{BB962C8B-B14F-4D97-AF65-F5344CB8AC3E}">
+        <p14:creationId xmlns:p14="http://schemas.microsoft.com/office/powerpoint/2010/main" val="1982275391"/>
+      </p:ext>
+    </p:extLst>
+  </p:cSld>
+  <p:clrMapOvr>
+    <a:masterClrMapping/>
+  </p:clrMapOvr>
+  <mc:AlternateContent xmlns:mc="http://schemas.openxmlformats.org/markup-compatibility/2006">
+    <mc:Choice xmlns:p14="http://schemas.microsoft.com/office/powerpoint/2010/main" Requires="p14">
+      <p:transition spd="med" p14:dur="700">
+        <p:fade/>
+      </p:transition>
+    </mc:Choice>
+    <mc:Fallback>
+      <p:transition spd="med">
+        <p:fade/>
+      </p:transition>
+    </mc:Fallback>
+  </mc:AlternateContent>
+</p:sld>
+</file>
+
+<file path=ppt/slides/slide15.xml><?xml version="1.0" encoding="utf-8"?>
 <p:sld xmlns:a="http://schemas.openxmlformats.org/drawingml/2006/main" xmlns:r="http://schemas.openxmlformats.org/officeDocument/2006/relationships" xmlns:p="http://schemas.openxmlformats.org/presentationml/2006/main">
   <p:cSld>
     <p:spTree>
@@ -8791,8 +9231,8 @@
         </p:blipFill>
         <p:spPr>
           <a:xfrm>
-            <a:off x="3165131" y="3625222"/>
-            <a:ext cx="6238875" cy="2286000"/>
+            <a:off x="2589212" y="2292627"/>
+            <a:ext cx="8103548" cy="2969239"/>
           </a:xfrm>
           <a:prstGeom prst="rect">
             <a:avLst/>
@@ -8809,6 +9249,9 @@
   <p:clrMapOvr>
     <a:masterClrMapping/>
   </p:clrMapOvr>
+  <p:transition spd="slow">
+    <p:push dir="u"/>
+  </p:transition>
 </p:sld>
 </file>
 
@@ -8847,73 +9290,177 @@
         </p:nvSpPr>
         <p:spPr>
           <a:xfrm>
-            <a:off x="2592925" y="624109"/>
+            <a:off x="2009829" y="531343"/>
             <a:ext cx="9294275" cy="4053908"/>
           </a:xfrm>
         </p:spPr>
         <p:txBody>
           <a:bodyPr>
-            <a:normAutofit fontScale="90000"/>
+            <a:normAutofit/>
           </a:bodyPr>
           <a:lstStyle/>
           <a:p>
             <a:r>
-              <a:rPr lang="fr-FR" dirty="0"/>
-              <a:t>Présentation de notre projet </a:t>
+              <a:rPr lang="fr-FR" b="1" u="sng" dirty="0">
+                <a:solidFill>
+                  <a:srgbClr val="FF0000"/>
+                </a:solidFill>
+              </a:rPr>
+              <a:t>Présentation de notre projet :</a:t>
             </a:r>
             <a:br>
               <a:rPr lang="fr-FR" dirty="0"/>
             </a:br>
-            <a:r>
-              <a:rPr lang="fr-FR" dirty="0"/>
-              <a:t>Problématique</a:t>
-            </a:r>
             <a:br>
               <a:rPr lang="fr-FR" dirty="0"/>
             </a:br>
-            <a:r>
-              <a:rPr lang="fr-FR" dirty="0"/>
-              <a:t>Hypothèses</a:t>
-            </a:r>
-            <a:br>
-              <a:rPr lang="fr-FR" dirty="0"/>
-            </a:br>
-            <a:r>
-              <a:rPr lang="fr-FR" dirty="0"/>
-              <a:t>Présentation détaillée du modèle</a:t>
-            </a:r>
-            <a:br>
-              <a:rPr lang="fr-FR" dirty="0"/>
-            </a:br>
-            <a:r>
-              <a:rPr lang="fr-FR" dirty="0"/>
-              <a:t>Expérimentations réalisées</a:t>
-            </a:r>
-            <a:br>
-              <a:rPr lang="fr-FR" dirty="0"/>
-            </a:br>
-            <a:r>
-              <a:rPr lang="fr-FR" dirty="0"/>
-              <a:t>Présentation des résultats obtenus &amp; analyses</a:t>
-            </a:r>
-            <a:br>
-              <a:rPr lang="fr-FR" dirty="0"/>
-            </a:br>
-            <a:r>
-              <a:rPr lang="fr-FR" dirty="0"/>
-              <a:t>Prise de recul sur notre modèle</a:t>
-            </a:r>
-            <a:br>
-              <a:rPr lang="fr-FR" dirty="0"/>
-            </a:br>
-            <a:r>
-              <a:rPr lang="fr-FR" dirty="0"/>
-              <a:t>Conclusion</a:t>
-            </a:r>
             <a:br>
               <a:rPr lang="fr-FR" dirty="0"/>
             </a:br>
             <a:endParaRPr lang="fr-FR" dirty="0"/>
+          </a:p>
+        </p:txBody>
+      </p:sp>
+      <p:sp>
+        <p:nvSpPr>
+          <p:cNvPr id="3" name="Espace réservé du contenu 2">
+            <a:extLst>
+              <a:ext uri="{FF2B5EF4-FFF2-40B4-BE49-F238E27FC236}">
+                <a16:creationId xmlns:a16="http://schemas.microsoft.com/office/drawing/2014/main" id="{99A3314D-DD6C-2B47-F6C0-6AF14CBE4FC0}"/>
+              </a:ext>
+            </a:extLst>
+          </p:cNvPr>
+          <p:cNvSpPr>
+            <a:spLocks noGrp="1"/>
+          </p:cNvSpPr>
+          <p:nvPr>
+            <p:ph idx="1"/>
+          </p:nvPr>
+        </p:nvSpPr>
+        <p:spPr>
+          <a:xfrm>
+            <a:off x="1789043" y="1394416"/>
+            <a:ext cx="10045148" cy="5258176"/>
+          </a:xfrm>
+        </p:spPr>
+        <p:txBody>
+          <a:bodyPr>
+            <a:normAutofit/>
+          </a:bodyPr>
+          <a:lstStyle/>
+          <a:p>
+            <a:r>
+              <a:rPr lang="fr-FR" sz="2400" dirty="0">
+                <a:solidFill>
+                  <a:schemeClr val="tx1"/>
+                </a:solidFill>
+                <a:latin typeface="Times New Roman" panose="02020603050405020304" pitchFamily="18" charset="0"/>
+                <a:cs typeface="Times New Roman" panose="02020603050405020304" pitchFamily="18" charset="0"/>
+              </a:rPr>
+              <a:t>Modélisation du trafic routier, et étude de l'empreinte carbone des véhicules qui les empruntent. </a:t>
+            </a:r>
+          </a:p>
+          <a:p>
+            <a:r>
+              <a:rPr lang="fr-FR" sz="2400" dirty="0">
+                <a:solidFill>
+                  <a:schemeClr val="tx1"/>
+                </a:solidFill>
+                <a:latin typeface="Times New Roman" panose="02020603050405020304" pitchFamily="18" charset="0"/>
+                <a:cs typeface="Times New Roman" panose="02020603050405020304" pitchFamily="18" charset="0"/>
+              </a:rPr>
+              <a:t>Simuler un modèle de ville et faire varier différents paramètres :</a:t>
+            </a:r>
+          </a:p>
+          <a:p>
+            <a:pPr marL="0" indent="0">
+              <a:buNone/>
+            </a:pPr>
+            <a:r>
+              <a:rPr lang="fr-FR" sz="2400" dirty="0">
+                <a:solidFill>
+                  <a:schemeClr val="tx1"/>
+                </a:solidFill>
+                <a:latin typeface="Times New Roman" panose="02020603050405020304" pitchFamily="18" charset="0"/>
+                <a:cs typeface="Times New Roman" panose="02020603050405020304" pitchFamily="18" charset="0"/>
+              </a:rPr>
+              <a:t>      - la forme des villes, </a:t>
+            </a:r>
+          </a:p>
+          <a:p>
+            <a:pPr marL="0" indent="0">
+              <a:buNone/>
+            </a:pPr>
+            <a:r>
+              <a:rPr lang="fr-FR" sz="2400" dirty="0">
+                <a:solidFill>
+                  <a:schemeClr val="tx1"/>
+                </a:solidFill>
+                <a:latin typeface="Times New Roman" panose="02020603050405020304" pitchFamily="18" charset="0"/>
+                <a:cs typeface="Times New Roman" panose="02020603050405020304" pitchFamily="18" charset="0"/>
+              </a:rPr>
+              <a:t>      - le nombre de routes,</a:t>
+            </a:r>
+          </a:p>
+          <a:p>
+            <a:pPr marL="0" indent="0">
+              <a:buNone/>
+            </a:pPr>
+            <a:r>
+              <a:rPr lang="fr-FR" sz="2400" dirty="0">
+                <a:solidFill>
+                  <a:schemeClr val="tx1"/>
+                </a:solidFill>
+                <a:latin typeface="Times New Roman" panose="02020603050405020304" pitchFamily="18" charset="0"/>
+                <a:cs typeface="Times New Roman" panose="02020603050405020304" pitchFamily="18" charset="0"/>
+              </a:rPr>
+              <a:t>      - le nombre de feux rouges et d'intersections, </a:t>
+            </a:r>
+          </a:p>
+          <a:p>
+            <a:pPr marL="0" indent="0">
+              <a:buNone/>
+            </a:pPr>
+            <a:r>
+              <a:rPr lang="fr-FR" sz="2400" dirty="0">
+                <a:solidFill>
+                  <a:schemeClr val="tx1"/>
+                </a:solidFill>
+                <a:latin typeface="Times New Roman" panose="02020603050405020304" pitchFamily="18" charset="0"/>
+                <a:cs typeface="Times New Roman" panose="02020603050405020304" pitchFamily="18" charset="0"/>
+              </a:rPr>
+              <a:t>      - la vitesse des véhicules,</a:t>
+            </a:r>
+          </a:p>
+          <a:p>
+            <a:pPr marL="0" indent="0">
+              <a:buNone/>
+            </a:pPr>
+            <a:r>
+              <a:rPr lang="fr-FR" sz="2400" dirty="0">
+                <a:solidFill>
+                  <a:schemeClr val="tx1"/>
+                </a:solidFill>
+                <a:latin typeface="Times New Roman" panose="02020603050405020304" pitchFamily="18" charset="0"/>
+                <a:cs typeface="Times New Roman" panose="02020603050405020304" pitchFamily="18" charset="0"/>
+              </a:rPr>
+              <a:t>      - pourcentage des types de transports utilisés : voitures thermiques, voitures électriques, </a:t>
+            </a:r>
+          </a:p>
+          <a:p>
+            <a:pPr marL="0" indent="0">
+              <a:buNone/>
+            </a:pPr>
+            <a:r>
+              <a:rPr lang="fr-FR" sz="2400" dirty="0">
+                <a:solidFill>
+                  <a:schemeClr val="tx1"/>
+                </a:solidFill>
+                <a:latin typeface="Times New Roman" panose="02020603050405020304" pitchFamily="18" charset="0"/>
+                <a:cs typeface="Times New Roman" panose="02020603050405020304" pitchFamily="18" charset="0"/>
+              </a:rPr>
+              <a:t>Objectif : trouver une combinaison entre ces différents paramètres pour réduire à les émissions de dioxyde de carbone dans la ville du futur. </a:t>
+            </a:r>
           </a:p>
         </p:txBody>
       </p:sp>
@@ -8927,10 +9474,158 @@
   <p:clrMapOvr>
     <a:masterClrMapping/>
   </p:clrMapOvr>
+  <p:transition spd="slow">
+    <p:push dir="u"/>
+  </p:transition>
 </p:sld>
 </file>
 
 <file path=ppt/slides/slide3.xml><?xml version="1.0" encoding="utf-8"?>
+<p:sld xmlns:a="http://schemas.openxmlformats.org/drawingml/2006/main" xmlns:r="http://schemas.openxmlformats.org/officeDocument/2006/relationships" xmlns:p="http://schemas.openxmlformats.org/presentationml/2006/main">
+  <p:cSld>
+    <p:spTree>
+      <p:nvGrpSpPr>
+        <p:cNvPr id="1" name=""/>
+        <p:cNvGrpSpPr/>
+        <p:nvPr/>
+      </p:nvGrpSpPr>
+      <p:grpSpPr>
+        <a:xfrm>
+          <a:off x="0" y="0"/>
+          <a:ext cx="0" cy="0"/>
+          <a:chOff x="0" y="0"/>
+          <a:chExt cx="0" cy="0"/>
+        </a:xfrm>
+      </p:grpSpPr>
+      <p:sp>
+        <p:nvSpPr>
+          <p:cNvPr id="2" name="Titre 1">
+            <a:extLst>
+              <a:ext uri="{FF2B5EF4-FFF2-40B4-BE49-F238E27FC236}">
+                <a16:creationId xmlns:a16="http://schemas.microsoft.com/office/drawing/2014/main" id="{62E18B07-EA95-1991-8826-4183EE11C07D}"/>
+              </a:ext>
+            </a:extLst>
+          </p:cNvPr>
+          <p:cNvSpPr>
+            <a:spLocks noGrp="1"/>
+          </p:cNvSpPr>
+          <p:nvPr>
+            <p:ph type="title"/>
+          </p:nvPr>
+        </p:nvSpPr>
+        <p:spPr>
+          <a:xfrm>
+            <a:off x="2160105" y="624110"/>
+            <a:ext cx="9344508" cy="1280890"/>
+          </a:xfrm>
+        </p:spPr>
+        <p:txBody>
+          <a:bodyPr>
+            <a:normAutofit/>
+          </a:bodyPr>
+          <a:lstStyle/>
+          <a:p>
+            <a:r>
+              <a:rPr lang="fr-FR" b="1" u="sng" dirty="0" err="1">
+                <a:solidFill>
+                  <a:srgbClr val="FF0000"/>
+                </a:solidFill>
+              </a:rPr>
+              <a:t>Problèmatiques</a:t>
+            </a:r>
+            <a:r>
+              <a:rPr lang="fr-FR" b="1" u="sng" dirty="0">
+                <a:solidFill>
+                  <a:srgbClr val="FF0000"/>
+                </a:solidFill>
+              </a:rPr>
+              <a:t> :</a:t>
+            </a:r>
+          </a:p>
+        </p:txBody>
+      </p:sp>
+      <p:sp>
+        <p:nvSpPr>
+          <p:cNvPr id="3" name="Espace réservé du contenu 2">
+            <a:extLst>
+              <a:ext uri="{FF2B5EF4-FFF2-40B4-BE49-F238E27FC236}">
+                <a16:creationId xmlns:a16="http://schemas.microsoft.com/office/drawing/2014/main" id="{E57B9801-A257-CD2F-A144-5C467E19A2B2}"/>
+              </a:ext>
+            </a:extLst>
+          </p:cNvPr>
+          <p:cNvSpPr>
+            <a:spLocks noGrp="1"/>
+          </p:cNvSpPr>
+          <p:nvPr>
+            <p:ph idx="1"/>
+          </p:nvPr>
+        </p:nvSpPr>
+        <p:spPr>
+          <a:xfrm>
+            <a:off x="2045873" y="1540189"/>
+            <a:ext cx="8915400" cy="3777622"/>
+          </a:xfrm>
+        </p:spPr>
+        <p:txBody>
+          <a:bodyPr>
+            <a:normAutofit/>
+          </a:bodyPr>
+          <a:lstStyle/>
+          <a:p>
+            <a:r>
+              <a:rPr lang="fr-FR" sz="2400" dirty="0">
+                <a:solidFill>
+                  <a:schemeClr val="tx1"/>
+                </a:solidFill>
+                <a:latin typeface="Times New Roman" panose="02020603050405020304" pitchFamily="18" charset="0"/>
+                <a:cs typeface="Times New Roman" panose="02020603050405020304" pitchFamily="18" charset="0"/>
+              </a:rPr>
+              <a:t>- La forme d'un système routier a-t-elle un impact sur l'empreinte carbone émise par les véhicules ?</a:t>
+            </a:r>
+          </a:p>
+          <a:p>
+            <a:r>
+              <a:rPr lang="fr-FR" sz="2400" dirty="0">
+                <a:solidFill>
+                  <a:schemeClr val="tx1"/>
+                </a:solidFill>
+                <a:latin typeface="Times New Roman" panose="02020603050405020304" pitchFamily="18" charset="0"/>
+                <a:cs typeface="Times New Roman" panose="02020603050405020304" pitchFamily="18" charset="0"/>
+              </a:rPr>
+              <a:t>- Quel est le pourcentage de voitures électriques ou hybrides nécessaires en ville pour réduire drastiquement l'empreinte carbone ?</a:t>
+            </a:r>
+          </a:p>
+          <a:p>
+            <a:r>
+              <a:rPr lang="fr-FR" sz="2400" dirty="0">
+                <a:solidFill>
+                  <a:schemeClr val="tx1"/>
+                </a:solidFill>
+                <a:latin typeface="Times New Roman" panose="02020603050405020304" pitchFamily="18" charset="0"/>
+                <a:cs typeface="Times New Roman" panose="02020603050405020304" pitchFamily="18" charset="0"/>
+              </a:rPr>
+              <a:t>- Quels sont les impacts des embouteillages, feux rouges, carrefours, fermetures de routes sur notre réseau routier et sur les émissions de CO2 ?</a:t>
+            </a:r>
+          </a:p>
+        </p:txBody>
+      </p:sp>
+    </p:spTree>
+    <p:extLst>
+      <p:ext uri="{BB962C8B-B14F-4D97-AF65-F5344CB8AC3E}">
+        <p14:creationId xmlns:p14="http://schemas.microsoft.com/office/powerpoint/2010/main" val="893628503"/>
+      </p:ext>
+    </p:extLst>
+  </p:cSld>
+  <p:clrMapOvr>
+    <a:masterClrMapping/>
+  </p:clrMapOvr>
+  <p:transition spd="slow">
+    <p:randomBar dir="vert"/>
+  </p:transition>
+</p:sld>
+</file>
+
+<file path=ppt/slides/slide4.xml><?xml version="1.0" encoding="utf-8"?>
 <p:sld xmlns:a="http://schemas.openxmlformats.org/drawingml/2006/main" xmlns:r="http://schemas.openxmlformats.org/officeDocument/2006/relationships" xmlns:p="http://schemas.openxmlformats.org/presentationml/2006/main">
   <p:cSld>
     <p:spTree>
@@ -9046,10 +9741,22 @@
   <p:clrMapOvr>
     <a:masterClrMapping/>
   </p:clrMapOvr>
+  <mc:AlternateContent xmlns:mc="http://schemas.openxmlformats.org/markup-compatibility/2006">
+    <mc:Choice xmlns:p14="http://schemas.microsoft.com/office/powerpoint/2010/main" Requires="p14">
+      <p:transition spd="slow" p14:dur="1600">
+        <p:blinds dir="vert"/>
+      </p:transition>
+    </mc:Choice>
+    <mc:Fallback>
+      <p:transition spd="slow">
+        <p:blinds dir="vert"/>
+      </p:transition>
+    </mc:Fallback>
+  </mc:AlternateContent>
 </p:sld>
 </file>
 
-<file path=ppt/slides/slide4.xml><?xml version="1.0" encoding="utf-8"?>
+<file path=ppt/slides/slide5.xml><?xml version="1.0" encoding="utf-8"?>
 <p:sld xmlns:a="http://schemas.openxmlformats.org/drawingml/2006/main" xmlns:r="http://schemas.openxmlformats.org/officeDocument/2006/relationships" xmlns:p="http://schemas.openxmlformats.org/presentationml/2006/main">
   <p:cSld>
     <p:spTree>
@@ -9129,7 +9836,7 @@
         </p:blipFill>
         <p:spPr>
           <a:xfrm>
-            <a:off x="3246781" y="1967948"/>
+            <a:off x="2716694" y="1689652"/>
             <a:ext cx="7050157" cy="4740623"/>
           </a:xfrm>
         </p:spPr>
@@ -9144,10 +9851,22 @@
   <p:clrMapOvr>
     <a:masterClrMapping/>
   </p:clrMapOvr>
+  <mc:AlternateContent xmlns:mc="http://schemas.openxmlformats.org/markup-compatibility/2006">
+    <mc:Choice xmlns:p14="http://schemas.microsoft.com/office/powerpoint/2010/main" Requires="p14">
+      <p:transition spd="slow" p14:dur="2500">
+        <p:checker/>
+      </p:transition>
+    </mc:Choice>
+    <mc:Fallback>
+      <p:transition spd="slow">
+        <p:checker/>
+      </p:transition>
+    </mc:Fallback>
+  </mc:AlternateContent>
 </p:sld>
 </file>
 
-<file path=ppt/slides/slide5.xml><?xml version="1.0" encoding="utf-8"?>
+<file path=ppt/slides/slide6.xml><?xml version="1.0" encoding="utf-8"?>
 <p:sld xmlns:a="http://schemas.openxmlformats.org/drawingml/2006/main" xmlns:r="http://schemas.openxmlformats.org/officeDocument/2006/relationships" xmlns:p="http://schemas.openxmlformats.org/presentationml/2006/main">
   <p:cSld>
     <p:spTree>
@@ -9236,7 +9955,7 @@
         </p:blipFill>
         <p:spPr>
           <a:xfrm>
-            <a:off x="1647166" y="1419468"/>
+            <a:off x="1529622" y="1081424"/>
             <a:ext cx="9974990" cy="4695152"/>
           </a:xfrm>
           <a:prstGeom prst="rect">
@@ -9254,10 +9973,22 @@
   <p:clrMapOvr>
     <a:masterClrMapping/>
   </p:clrMapOvr>
+  <mc:AlternateContent xmlns:mc="http://schemas.openxmlformats.org/markup-compatibility/2006">
+    <mc:Choice xmlns:p15="http://schemas.microsoft.com/office/powerpoint/2012/main" Requires="p15">
+      <p:transition xmlns:p14="http://schemas.microsoft.com/office/powerpoint/2010/main" spd="slow" p14:dur="1250">
+        <p15:prstTrans prst="pageCurlDouble"/>
+      </p:transition>
+    </mc:Choice>
+    <mc:Fallback>
+      <p:transition spd="slow">
+        <p:fade/>
+      </p:transition>
+    </mc:Fallback>
+  </mc:AlternateContent>
 </p:sld>
 </file>
 
-<file path=ppt/slides/slide6.xml><?xml version="1.0" encoding="utf-8"?>
+<file path=ppt/slides/slide7.xml><?xml version="1.0" encoding="utf-8"?>
 <p:sld xmlns:a="http://schemas.openxmlformats.org/drawingml/2006/main" xmlns:r="http://schemas.openxmlformats.org/officeDocument/2006/relationships" xmlns:p="http://schemas.openxmlformats.org/presentationml/2006/main">
   <p:cSld>
     <p:spTree>
@@ -9418,10 +10149,22 @@
   <p:clrMapOvr>
     <a:masterClrMapping/>
   </p:clrMapOvr>
+  <mc:AlternateContent xmlns:mc="http://schemas.openxmlformats.org/markup-compatibility/2006">
+    <mc:Choice xmlns:p14="http://schemas.microsoft.com/office/powerpoint/2010/main" Requires="p14">
+      <p:transition spd="slow" p14:dur="2000">
+        <p14:prism isContent="1"/>
+      </p:transition>
+    </mc:Choice>
+    <mc:Fallback>
+      <p:transition spd="slow">
+        <p:fade/>
+      </p:transition>
+    </mc:Fallback>
+  </mc:AlternateContent>
 </p:sld>
 </file>
 
-<file path=ppt/slides/slide7.xml><?xml version="1.0" encoding="utf-8"?>
+<file path=ppt/slides/slide8.xml><?xml version="1.0" encoding="utf-8"?>
 <p:sld xmlns:a="http://schemas.openxmlformats.org/drawingml/2006/main" xmlns:r="http://schemas.openxmlformats.org/officeDocument/2006/relationships" xmlns:p="http://schemas.openxmlformats.org/presentationml/2006/main">
   <p:cSld>
     <p:spTree>
@@ -9699,10 +10442,22 @@
   <p:clrMapOvr>
     <a:masterClrMapping/>
   </p:clrMapOvr>
+  <mc:AlternateContent xmlns:mc="http://schemas.openxmlformats.org/markup-compatibility/2006">
+    <mc:Choice xmlns:p14="http://schemas.microsoft.com/office/powerpoint/2010/main" Requires="p14">
+      <p:transition spd="slow" p14:dur="1500">
+        <p14:window dir="vert"/>
+      </p:transition>
+    </mc:Choice>
+    <mc:Fallback>
+      <p:transition spd="slow">
+        <p:fade/>
+      </p:transition>
+    </mc:Fallback>
+  </mc:AlternateContent>
 </p:sld>
 </file>
 
-<file path=ppt/slides/slide8.xml><?xml version="1.0" encoding="utf-8"?>
+<file path=ppt/slides/slide9.xml><?xml version="1.0" encoding="utf-8"?>
 <p:sld xmlns:a="http://schemas.openxmlformats.org/drawingml/2006/main" xmlns:r="http://schemas.openxmlformats.org/officeDocument/2006/relationships" xmlns:p="http://schemas.openxmlformats.org/presentationml/2006/main">
   <p:cSld>
     <p:spTree>
@@ -10171,170 +10926,9 @@
   <p:clrMapOvr>
     <a:masterClrMapping/>
   </p:clrMapOvr>
-</p:sld>
-</file>
-
-<file path=ppt/slides/slide9.xml><?xml version="1.0" encoding="utf-8"?>
-<p:sld xmlns:a="http://schemas.openxmlformats.org/drawingml/2006/main" xmlns:r="http://schemas.openxmlformats.org/officeDocument/2006/relationships" xmlns:p="http://schemas.openxmlformats.org/presentationml/2006/main">
-  <p:cSld>
-    <p:spTree>
-      <p:nvGrpSpPr>
-        <p:cNvPr id="1" name=""/>
-        <p:cNvGrpSpPr/>
-        <p:nvPr/>
-      </p:nvGrpSpPr>
-      <p:grpSpPr>
-        <a:xfrm>
-          <a:off x="0" y="0"/>
-          <a:ext cx="0" cy="0"/>
-          <a:chOff x="0" y="0"/>
-          <a:chExt cx="0" cy="0"/>
-        </a:xfrm>
-      </p:grpSpPr>
-      <p:sp>
-        <p:nvSpPr>
-          <p:cNvPr id="2" name="Titre 1">
-            <a:extLst>
-              <a:ext uri="{FF2B5EF4-FFF2-40B4-BE49-F238E27FC236}">
-                <a16:creationId xmlns:a16="http://schemas.microsoft.com/office/drawing/2014/main" id="{01555954-461D-620A-4AD3-B287E50C8298}"/>
-              </a:ext>
-            </a:extLst>
-          </p:cNvPr>
-          <p:cNvSpPr>
-            <a:spLocks noGrp="1"/>
-          </p:cNvSpPr>
-          <p:nvPr>
-            <p:ph type="title"/>
-          </p:nvPr>
-        </p:nvSpPr>
-        <p:spPr>
-          <a:xfrm>
-            <a:off x="2208612" y="531345"/>
-            <a:ext cx="8911687" cy="1280890"/>
-          </a:xfrm>
-        </p:spPr>
-        <p:txBody>
-          <a:bodyPr>
-            <a:normAutofit/>
-          </a:bodyPr>
-          <a:lstStyle/>
-          <a:p>
-            <a:r>
-              <a:rPr lang="fr-FR" sz="4000" u="sng" dirty="0">
-                <a:solidFill>
-                  <a:srgbClr val="FF0000"/>
-                </a:solidFill>
-              </a:rPr>
-              <a:t>Expérimentations réalisées</a:t>
-            </a:r>
-          </a:p>
-        </p:txBody>
-      </p:sp>
-      <p:sp>
-        <p:nvSpPr>
-          <p:cNvPr id="3" name="Espace réservé du contenu 2">
-            <a:extLst>
-              <a:ext uri="{FF2B5EF4-FFF2-40B4-BE49-F238E27FC236}">
-                <a16:creationId xmlns:a16="http://schemas.microsoft.com/office/drawing/2014/main" id="{D3EA7887-6DCB-4ECB-4B9B-B5C967D1E0E0}"/>
-              </a:ext>
-            </a:extLst>
-          </p:cNvPr>
-          <p:cNvSpPr>
-            <a:spLocks noGrp="1"/>
-          </p:cNvSpPr>
-          <p:nvPr>
-            <p:ph idx="1"/>
-          </p:nvPr>
-        </p:nvSpPr>
-        <p:spPr>
-          <a:xfrm>
-            <a:off x="2208612" y="1404731"/>
-            <a:ext cx="8915400" cy="3777622"/>
-          </a:xfrm>
-        </p:spPr>
-        <p:txBody>
-          <a:bodyPr>
-            <a:normAutofit/>
-          </a:bodyPr>
-          <a:lstStyle/>
-          <a:p>
-            <a:r>
-              <a:rPr lang="fr-FR" sz="2400" dirty="0">
-                <a:solidFill>
-                  <a:schemeClr val="tx1"/>
-                </a:solidFill>
-                <a:latin typeface="Times New Roman" panose="02020603050405020304" pitchFamily="18" charset="0"/>
-                <a:cs typeface="Times New Roman" panose="02020603050405020304" pitchFamily="18" charset="0"/>
-              </a:rPr>
-              <a:t>2- Dans notre deuxième ville, modèle simplifié de Paris, traversée par 36 voitures </a:t>
-            </a:r>
-          </a:p>
-          <a:p>
-            <a:pPr marL="0" indent="0">
-              <a:buNone/>
-            </a:pPr>
-            <a:r>
-              <a:rPr lang="fr-FR" sz="2400" dirty="0">
-                <a:solidFill>
-                  <a:schemeClr val="tx1"/>
-                </a:solidFill>
-                <a:latin typeface="Times New Roman" panose="02020603050405020304" pitchFamily="18" charset="0"/>
-                <a:cs typeface="Times New Roman" panose="02020603050405020304" pitchFamily="18" charset="0"/>
-              </a:rPr>
-              <a:t>(50% thermique, 50% électrique) :</a:t>
-            </a:r>
-          </a:p>
-          <a:p>
-            <a:endParaRPr lang="fr-FR" sz="2400" dirty="0">
-              <a:solidFill>
-                <a:schemeClr val="tx1"/>
-              </a:solidFill>
-              <a:latin typeface="Times New Roman" panose="02020603050405020304" pitchFamily="18" charset="0"/>
-              <a:cs typeface="Times New Roman" panose="02020603050405020304" pitchFamily="18" charset="0"/>
-            </a:endParaRPr>
-          </a:p>
-        </p:txBody>
-      </p:sp>
-      <p:pic>
-        <p:nvPicPr>
-          <p:cNvPr id="5" name="Image 4">
-            <a:extLst>
-              <a:ext uri="{FF2B5EF4-FFF2-40B4-BE49-F238E27FC236}">
-                <a16:creationId xmlns:a16="http://schemas.microsoft.com/office/drawing/2014/main" id="{DDADD9B0-AA4B-8F29-1AAF-21BB7A851E8A}"/>
-              </a:ext>
-            </a:extLst>
-          </p:cNvPr>
-          <p:cNvPicPr>
-            <a:picLocks noChangeAspect="1"/>
-          </p:cNvPicPr>
-          <p:nvPr/>
-        </p:nvPicPr>
-        <p:blipFill>
-          <a:blip r:embed="rId2"/>
-          <a:stretch>
-            <a:fillRect/>
-          </a:stretch>
-        </p:blipFill>
-        <p:spPr>
-          <a:xfrm>
-            <a:off x="2073315" y="3116240"/>
-            <a:ext cx="8521420" cy="2939499"/>
-          </a:xfrm>
-          <a:prstGeom prst="rect">
-            <a:avLst/>
-          </a:prstGeom>
-        </p:spPr>
-      </p:pic>
-    </p:spTree>
-    <p:extLst>
-      <p:ext uri="{BB962C8B-B14F-4D97-AF65-F5344CB8AC3E}">
-        <p14:creationId xmlns:p14="http://schemas.microsoft.com/office/powerpoint/2010/main" val="258283613"/>
-      </p:ext>
-    </p:extLst>
-  </p:cSld>
-  <p:clrMapOvr>
-    <a:masterClrMapping/>
-  </p:clrMapOvr>
+  <p:transition spd="slow">
+    <p:comb/>
+  </p:transition>
 </p:sld>
 </file>
 

--- a/ROAD TRAFFIC SIMULATION.pptx
+++ b/ROAD TRAFFIC SIMULATION.pptx
@@ -8013,13 +8013,13 @@
   <p:clrMapOvr>
     <a:masterClrMapping/>
   </p:clrMapOvr>
-  <mc:AlternateContent xmlns:mc="http://schemas.openxmlformats.org/markup-compatibility/2006">
-    <mc:Choice xmlns:p14="http://schemas.microsoft.com/office/powerpoint/2010/main" Requires="p14">
+  <mc:AlternateContent xmlns:mc="http://schemas.openxmlformats.org/markup-compatibility/2006" xmlns:p14="http://schemas.microsoft.com/office/powerpoint/2010/main">
+    <mc:Choice Requires="p14">
       <p:transition spd="slow" p14:dur="1600">
         <p14:prism isContent="1" isInverted="1"/>
       </p:transition>
     </mc:Choice>
-    <mc:Fallback>
+    <mc:Fallback xmlns="">
       <p:transition spd="slow">
         <p:fade/>
       </p:transition>
@@ -8758,13 +8758,13 @@
   <p:clrMapOvr>
     <a:masterClrMapping/>
   </p:clrMapOvr>
-  <mc:AlternateContent xmlns:mc="http://schemas.openxmlformats.org/markup-compatibility/2006">
-    <mc:Choice xmlns:p15="http://schemas.microsoft.com/office/powerpoint/2012/main" Requires="p15">
+  <mc:AlternateContent xmlns:mc="http://schemas.openxmlformats.org/markup-compatibility/2006" xmlns:p15="http://schemas.microsoft.com/office/powerpoint/2012/main">
+    <mc:Choice Requires="p15">
       <p:transition xmlns:p14="http://schemas.microsoft.com/office/powerpoint/2010/main" spd="slow" p14:dur="1250">
         <p15:prstTrans prst="peelOff"/>
       </p:transition>
     </mc:Choice>
-    <mc:Fallback>
+    <mc:Fallback xmlns="">
       <p:transition spd="slow">
         <p:fade/>
       </p:transition>
@@ -8943,7 +8943,27 @@
                 <a:latin typeface="Times New Roman" panose="02020603050405020304" pitchFamily="18" charset="0"/>
                 <a:cs typeface="Times New Roman" panose="02020603050405020304" pitchFamily="18" charset="0"/>
               </a:rPr>
-              <a:t>si la distance entre deux voitures est plus petite que ‘esp’ alors on considère qu’il y a eu collision entre deux voitures et on obtient un état de bouchon où toutes les voitures de la route sont bloqués </a:t>
+              <a:t>si la distance entre deux voitures est plus petite que ‘</a:t>
+            </a:r>
+            <a:r>
+              <a:rPr lang="fr-FR" sz="2000" dirty="0" err="1">
+                <a:solidFill>
+                  <a:schemeClr val="tx1"/>
+                </a:solidFill>
+                <a:latin typeface="Times New Roman" panose="02020603050405020304" pitchFamily="18" charset="0"/>
+                <a:cs typeface="Times New Roman" panose="02020603050405020304" pitchFamily="18" charset="0"/>
+              </a:rPr>
+              <a:t>eps</a:t>
+            </a:r>
+            <a:r>
+              <a:rPr lang="fr-FR" sz="2000" dirty="0">
+                <a:solidFill>
+                  <a:schemeClr val="tx1"/>
+                </a:solidFill>
+                <a:latin typeface="Times New Roman" panose="02020603050405020304" pitchFamily="18" charset="0"/>
+                <a:cs typeface="Times New Roman" panose="02020603050405020304" pitchFamily="18" charset="0"/>
+              </a:rPr>
+              <a:t>’ alors on considère qu’il y a eu collision entre deux voitures et on obtient un état de bouchon où toutes les voitures de la route sont bloqués </a:t>
             </a:r>
             <a:r>
               <a:rPr lang="fr-FR" sz="2000" dirty="0">
@@ -8994,13 +9014,13 @@
   <p:clrMapOvr>
     <a:masterClrMapping/>
   </p:clrMapOvr>
-  <mc:AlternateContent xmlns:mc="http://schemas.openxmlformats.org/markup-compatibility/2006">
-    <mc:Choice xmlns:p14="http://schemas.microsoft.com/office/powerpoint/2010/main" Requires="p14">
+  <mc:AlternateContent xmlns:mc="http://schemas.openxmlformats.org/markup-compatibility/2006" xmlns:p14="http://schemas.microsoft.com/office/powerpoint/2010/main">
+    <mc:Choice Requires="p14">
       <p:transition spd="slow" p14:dur="1200">
         <p:dissolve/>
       </p:transition>
     </mc:Choice>
-    <mc:Fallback>
+    <mc:Fallback xmlns="">
       <p:transition spd="slow">
         <p:dissolve/>
       </p:transition>
@@ -9116,13 +9136,13 @@
   <p:clrMapOvr>
     <a:masterClrMapping/>
   </p:clrMapOvr>
-  <mc:AlternateContent xmlns:mc="http://schemas.openxmlformats.org/markup-compatibility/2006">
-    <mc:Choice xmlns:p14="http://schemas.microsoft.com/office/powerpoint/2010/main" Requires="p14">
+  <mc:AlternateContent xmlns:mc="http://schemas.openxmlformats.org/markup-compatibility/2006" xmlns:p14="http://schemas.microsoft.com/office/powerpoint/2010/main">
+    <mc:Choice Requires="p14">
       <p:transition spd="med" p14:dur="700">
         <p:fade/>
       </p:transition>
     </mc:Choice>
-    <mc:Fallback>
+    <mc:Fallback xmlns="">
       <p:transition spd="med">
         <p:fade/>
       </p:transition>
@@ -9670,6 +9690,8 @@
                 <a:solidFill>
                   <a:srgbClr val="FF0000"/>
                 </a:solidFill>
+                <a:latin typeface="Times New Roman" panose="02020603050405020304" pitchFamily="18" charset="0"/>
+                <a:cs typeface="Times New Roman" panose="02020603050405020304" pitchFamily="18" charset="0"/>
               </a:rPr>
               <a:t>Première ville utilisée dans notre modèle</a:t>
             </a:r>
@@ -9741,13 +9763,13 @@
   <p:clrMapOvr>
     <a:masterClrMapping/>
   </p:clrMapOvr>
-  <mc:AlternateContent xmlns:mc="http://schemas.openxmlformats.org/markup-compatibility/2006">
-    <mc:Choice xmlns:p14="http://schemas.microsoft.com/office/powerpoint/2010/main" Requires="p14">
+  <mc:AlternateContent xmlns:mc="http://schemas.openxmlformats.org/markup-compatibility/2006" xmlns:p14="http://schemas.microsoft.com/office/powerpoint/2010/main">
+    <mc:Choice Requires="p14">
       <p:transition spd="slow" p14:dur="1600">
         <p:blinds dir="vert"/>
       </p:transition>
     </mc:Choice>
-    <mc:Fallback>
+    <mc:Fallback xmlns="">
       <p:transition spd="slow">
         <p:blinds dir="vert"/>
       </p:transition>
@@ -9806,6 +9828,8 @@
                 <a:solidFill>
                   <a:srgbClr val="FF0000"/>
                 </a:solidFill>
+                <a:latin typeface="Times New Roman" panose="02020603050405020304" pitchFamily="18" charset="0"/>
+                <a:cs typeface="Times New Roman" panose="02020603050405020304" pitchFamily="18" charset="0"/>
               </a:rPr>
               <a:t>Deuxième ville utilisée dans notre modèle, correspondant à une représentation simplifiée de la ville de Paris</a:t>
             </a:r>
@@ -9851,13 +9875,13 @@
   <p:clrMapOvr>
     <a:masterClrMapping/>
   </p:clrMapOvr>
-  <mc:AlternateContent xmlns:mc="http://schemas.openxmlformats.org/markup-compatibility/2006">
-    <mc:Choice xmlns:p14="http://schemas.microsoft.com/office/powerpoint/2010/main" Requires="p14">
+  <mc:AlternateContent xmlns:mc="http://schemas.openxmlformats.org/markup-compatibility/2006" xmlns:p14="http://schemas.microsoft.com/office/powerpoint/2010/main">
+    <mc:Choice Requires="p14">
       <p:transition spd="slow" p14:dur="2500">
         <p:checker/>
       </p:transition>
     </mc:Choice>
-    <mc:Fallback>
+    <mc:Fallback xmlns="">
       <p:transition spd="slow">
         <p:checker/>
       </p:transition>
@@ -9973,13 +9997,13 @@
   <p:clrMapOvr>
     <a:masterClrMapping/>
   </p:clrMapOvr>
-  <mc:AlternateContent xmlns:mc="http://schemas.openxmlformats.org/markup-compatibility/2006">
-    <mc:Choice xmlns:p15="http://schemas.microsoft.com/office/powerpoint/2012/main" Requires="p15">
+  <mc:AlternateContent xmlns:mc="http://schemas.openxmlformats.org/markup-compatibility/2006" xmlns:p15="http://schemas.microsoft.com/office/powerpoint/2012/main">
+    <mc:Choice Requires="p15">
       <p:transition xmlns:p14="http://schemas.microsoft.com/office/powerpoint/2010/main" spd="slow" p14:dur="1250">
         <p15:prstTrans prst="pageCurlDouble"/>
       </p:transition>
     </mc:Choice>
-    <mc:Fallback>
+    <mc:Fallback xmlns="">
       <p:transition spd="slow">
         <p:fade/>
       </p:transition>
@@ -10149,13 +10173,13 @@
   <p:clrMapOvr>
     <a:masterClrMapping/>
   </p:clrMapOvr>
-  <mc:AlternateContent xmlns:mc="http://schemas.openxmlformats.org/markup-compatibility/2006">
-    <mc:Choice xmlns:p14="http://schemas.microsoft.com/office/powerpoint/2010/main" Requires="p14">
+  <mc:AlternateContent xmlns:mc="http://schemas.openxmlformats.org/markup-compatibility/2006" xmlns:p14="http://schemas.microsoft.com/office/powerpoint/2010/main">
+    <mc:Choice Requires="p14">
       <p:transition spd="slow" p14:dur="2000">
         <p14:prism isContent="1"/>
       </p:transition>
     </mc:Choice>
-    <mc:Fallback>
+    <mc:Fallback xmlns="">
       <p:transition spd="slow">
         <p:fade/>
       </p:transition>
@@ -10442,13 +10466,13 @@
   <p:clrMapOvr>
     <a:masterClrMapping/>
   </p:clrMapOvr>
-  <mc:AlternateContent xmlns:mc="http://schemas.openxmlformats.org/markup-compatibility/2006">
-    <mc:Choice xmlns:p14="http://schemas.microsoft.com/office/powerpoint/2010/main" Requires="p14">
+  <mc:AlternateContent xmlns:mc="http://schemas.openxmlformats.org/markup-compatibility/2006" xmlns:p14="http://schemas.microsoft.com/office/powerpoint/2010/main">
+    <mc:Choice Requires="p14">
       <p:transition spd="slow" p14:dur="1500">
         <p14:window dir="vert"/>
       </p:transition>
     </mc:Choice>
-    <mc:Fallback>
+    <mc:Fallback xmlns="">
       <p:transition spd="slow">
         <p:fade/>
       </p:transition>

--- a/ROAD TRAFFIC SIMULATION.pptx
+++ b/ROAD TRAFFIC SIMULATION.pptx
@@ -314,7 +314,7 @@
           <a:p>
             <a:fld id="{3CF97B98-C26A-40B8-AF8C-737A5B64A336}" type="datetimeFigureOut">
               <a:rPr lang="fr-FR" smtClean="0"/>
-              <a:t>08/05/2022</a:t>
+              <a:t>09/05/2022</a:t>
             </a:fld>
             <a:endParaRPr lang="fr-FR"/>
           </a:p>
@@ -652,7 +652,7 @@
           <a:p>
             <a:fld id="{3CF97B98-C26A-40B8-AF8C-737A5B64A336}" type="datetimeFigureOut">
               <a:rPr lang="fr-FR" smtClean="0"/>
-              <a:t>08/05/2022</a:t>
+              <a:t>09/05/2022</a:t>
             </a:fld>
             <a:endParaRPr lang="fr-FR"/>
           </a:p>
@@ -1053,7 +1053,7 @@
           <a:p>
             <a:fld id="{3CF97B98-C26A-40B8-AF8C-737A5B64A336}" type="datetimeFigureOut">
               <a:rPr lang="fr-FR" smtClean="0"/>
-              <a:t>08/05/2022</a:t>
+              <a:t>09/05/2022</a:t>
             </a:fld>
             <a:endParaRPr lang="fr-FR"/>
           </a:p>
@@ -1389,7 +1389,7 @@
           <a:p>
             <a:fld id="{3CF97B98-C26A-40B8-AF8C-737A5B64A336}" type="datetimeFigureOut">
               <a:rPr lang="fr-FR" smtClean="0"/>
-              <a:t>08/05/2022</a:t>
+              <a:t>09/05/2022</a:t>
             </a:fld>
             <a:endParaRPr lang="fr-FR"/>
           </a:p>
@@ -1709,7 +1709,7 @@
           <a:p>
             <a:fld id="{3CF97B98-C26A-40B8-AF8C-737A5B64A336}" type="datetimeFigureOut">
               <a:rPr lang="fr-FR" smtClean="0"/>
-              <a:t>08/05/2022</a:t>
+              <a:t>09/05/2022</a:t>
             </a:fld>
             <a:endParaRPr lang="fr-FR"/>
           </a:p>
@@ -2105,7 +2105,7 @@
           <a:p>
             <a:fld id="{3CF97B98-C26A-40B8-AF8C-737A5B64A336}" type="datetimeFigureOut">
               <a:rPr lang="fr-FR" smtClean="0"/>
-              <a:t>08/05/2022</a:t>
+              <a:t>09/05/2022</a:t>
             </a:fld>
             <a:endParaRPr lang="fr-FR"/>
           </a:p>
@@ -2362,7 +2362,7 @@
           <a:p>
             <a:fld id="{3CF97B98-C26A-40B8-AF8C-737A5B64A336}" type="datetimeFigureOut">
               <a:rPr lang="fr-FR" smtClean="0"/>
-              <a:t>08/05/2022</a:t>
+              <a:t>09/05/2022</a:t>
             </a:fld>
             <a:endParaRPr lang="fr-FR"/>
           </a:p>
@@ -2624,7 +2624,7 @@
           <a:p>
             <a:fld id="{3CF97B98-C26A-40B8-AF8C-737A5B64A336}" type="datetimeFigureOut">
               <a:rPr lang="fr-FR" smtClean="0"/>
-              <a:t>08/05/2022</a:t>
+              <a:t>09/05/2022</a:t>
             </a:fld>
             <a:endParaRPr lang="fr-FR"/>
           </a:p>
@@ -2886,7 +2886,7 @@
           <a:p>
             <a:fld id="{3CF97B98-C26A-40B8-AF8C-737A5B64A336}" type="datetimeFigureOut">
               <a:rPr lang="fr-FR" smtClean="0"/>
-              <a:t>08/05/2022</a:t>
+              <a:t>09/05/2022</a:t>
             </a:fld>
             <a:endParaRPr lang="fr-FR"/>
           </a:p>
@@ -3215,7 +3215,7 @@
           <a:p>
             <a:fld id="{3CF97B98-C26A-40B8-AF8C-737A5B64A336}" type="datetimeFigureOut">
               <a:rPr lang="fr-FR" smtClean="0"/>
-              <a:t>08/05/2022</a:t>
+              <a:t>09/05/2022</a:t>
             </a:fld>
             <a:endParaRPr lang="fr-FR"/>
           </a:p>
@@ -3538,7 +3538,7 @@
           <a:p>
             <a:fld id="{3CF97B98-C26A-40B8-AF8C-737A5B64A336}" type="datetimeFigureOut">
               <a:rPr lang="fr-FR" smtClean="0"/>
-              <a:t>08/05/2022</a:t>
+              <a:t>09/05/2022</a:t>
             </a:fld>
             <a:endParaRPr lang="fr-FR"/>
           </a:p>
@@ -3995,7 +3995,7 @@
           <a:p>
             <a:fld id="{3CF97B98-C26A-40B8-AF8C-737A5B64A336}" type="datetimeFigureOut">
               <a:rPr lang="fr-FR" smtClean="0"/>
-              <a:t>08/05/2022</a:t>
+              <a:t>09/05/2022</a:t>
             </a:fld>
             <a:endParaRPr lang="fr-FR"/>
           </a:p>
@@ -4200,7 +4200,7 @@
           <a:p>
             <a:fld id="{3CF97B98-C26A-40B8-AF8C-737A5B64A336}" type="datetimeFigureOut">
               <a:rPr lang="fr-FR" smtClean="0"/>
-              <a:t>08/05/2022</a:t>
+              <a:t>09/05/2022</a:t>
             </a:fld>
             <a:endParaRPr lang="fr-FR"/>
           </a:p>
@@ -4377,7 +4377,7 @@
           <a:p>
             <a:fld id="{3CF97B98-C26A-40B8-AF8C-737A5B64A336}" type="datetimeFigureOut">
               <a:rPr lang="fr-FR" smtClean="0"/>
-              <a:t>08/05/2022</a:t>
+              <a:t>09/05/2022</a:t>
             </a:fld>
             <a:endParaRPr lang="fr-FR"/>
           </a:p>
@@ -4710,7 +4710,7 @@
           <a:p>
             <a:fld id="{3CF97B98-C26A-40B8-AF8C-737A5B64A336}" type="datetimeFigureOut">
               <a:rPr lang="fr-FR" smtClean="0"/>
-              <a:t>08/05/2022</a:t>
+              <a:t>09/05/2022</a:t>
             </a:fld>
             <a:endParaRPr lang="fr-FR"/>
           </a:p>
@@ -5055,7 +5055,7 @@
           <a:p>
             <a:fld id="{3CF97B98-C26A-40B8-AF8C-737A5B64A336}" type="datetimeFigureOut">
               <a:rPr lang="fr-FR" smtClean="0"/>
-              <a:t>08/05/2022</a:t>
+              <a:t>09/05/2022</a:t>
             </a:fld>
             <a:endParaRPr lang="fr-FR"/>
           </a:p>
@@ -7172,7 +7172,7 @@
           <a:p>
             <a:fld id="{3CF97B98-C26A-40B8-AF8C-737A5B64A336}" type="datetimeFigureOut">
               <a:rPr lang="fr-FR" smtClean="0"/>
-              <a:t>08/05/2022</a:t>
+              <a:t>09/05/2022</a:t>
             </a:fld>
             <a:endParaRPr lang="fr-FR"/>
           </a:p>
@@ -9220,12 +9220,39 @@
             <p:ph idx="1"/>
           </p:nvPr>
         </p:nvSpPr>
-        <p:spPr/>
-        <p:txBody>
-          <a:bodyPr/>
+        <p:spPr>
+          <a:xfrm>
+            <a:off x="2350672" y="1905000"/>
+            <a:ext cx="8915400" cy="3777622"/>
+          </a:xfrm>
+        </p:spPr>
+        <p:txBody>
+          <a:bodyPr>
+            <a:normAutofit/>
+          </a:bodyPr>
           <a:lstStyle/>
           <a:p>
-            <a:endParaRPr lang="fr-FR"/>
+            <a:r>
+              <a:rPr lang="fr-FR" dirty="0">
+                <a:solidFill>
+                  <a:schemeClr val="tx1"/>
+                </a:solidFill>
+              </a:rPr>
+              <a:t>Notre ville d’origine est dans une grande majorité des cas, la ville la moins</a:t>
+            </a:r>
+          </a:p>
+          <a:p>
+            <a:pPr marL="0" indent="0">
+              <a:buNone/>
+            </a:pPr>
+            <a:r>
+              <a:rPr lang="fr-FR" dirty="0">
+                <a:solidFill>
+                  <a:schemeClr val="tx1"/>
+                </a:solidFill>
+              </a:rPr>
+              <a:t>	polluante.</a:t>
+            </a:r>
           </a:p>
         </p:txBody>
       </p:sp>
@@ -9251,7 +9278,7 @@
         </p:blipFill>
         <p:spPr>
           <a:xfrm>
-            <a:off x="2589212" y="2292627"/>
+            <a:off x="2350672" y="2933348"/>
             <a:ext cx="8103548" cy="2969239"/>
           </a:xfrm>
           <a:prstGeom prst="rect">
